--- a/assets/capstone.pptx
+++ b/assets/capstone.pptx
@@ -18,13 +18,13 @@
     <p:sldId id="362" r:id="rId12"/>
     <p:sldId id="348" r:id="rId13"/>
     <p:sldId id="351" r:id="rId14"/>
-    <p:sldId id="360" r:id="rId15"/>
+    <p:sldId id="364" r:id="rId15"/>
     <p:sldId id="354" r:id="rId16"/>
-    <p:sldId id="356" r:id="rId17"/>
+    <p:sldId id="365" r:id="rId17"/>
     <p:sldId id="358" r:id="rId18"/>
-    <p:sldId id="357" r:id="rId19"/>
+    <p:sldId id="366" r:id="rId19"/>
     <p:sldId id="295" r:id="rId20"/>
-    <p:sldId id="359" r:id="rId21"/>
+    <p:sldId id="367" r:id="rId21"/>
     <p:sldId id="312" r:id="rId22"/>
     <p:sldId id="342" r:id="rId23"/>
     <p:sldId id="343" r:id="rId24"/>
@@ -287,7 +287,7 @@
           <a:p>
             <a:fld id="{36562AA3-2A7C-49D9-8157-A7511C74B8F7}" type="datetimeFigureOut">
               <a:rPr lang="en-US" smtClean="0"/>
-              <a:t>10/30/2023</a:t>
+              <a:t>10/31/2023</a:t>
             </a:fld>
             <a:endParaRPr lang="en-US"/>
           </a:p>
@@ -485,7 +485,7 @@
           <a:p>
             <a:fld id="{36562AA3-2A7C-49D9-8157-A7511C74B8F7}" type="datetimeFigureOut">
               <a:rPr lang="en-US" smtClean="0"/>
-              <a:t>10/30/2023</a:t>
+              <a:t>10/31/2023</a:t>
             </a:fld>
             <a:endParaRPr lang="en-US"/>
           </a:p>
@@ -693,7 +693,7 @@
           <a:p>
             <a:fld id="{36562AA3-2A7C-49D9-8157-A7511C74B8F7}" type="datetimeFigureOut">
               <a:rPr lang="en-US" smtClean="0"/>
-              <a:t>10/30/2023</a:t>
+              <a:t>10/31/2023</a:t>
             </a:fld>
             <a:endParaRPr lang="en-US"/>
           </a:p>
@@ -891,7 +891,7 @@
           <a:p>
             <a:fld id="{36562AA3-2A7C-49D9-8157-A7511C74B8F7}" type="datetimeFigureOut">
               <a:rPr lang="en-US" smtClean="0"/>
-              <a:t>10/30/2023</a:t>
+              <a:t>10/31/2023</a:t>
             </a:fld>
             <a:endParaRPr lang="en-US"/>
           </a:p>
@@ -1166,7 +1166,7 @@
           <a:p>
             <a:fld id="{36562AA3-2A7C-49D9-8157-A7511C74B8F7}" type="datetimeFigureOut">
               <a:rPr lang="en-US" smtClean="0"/>
-              <a:t>10/30/2023</a:t>
+              <a:t>10/31/2023</a:t>
             </a:fld>
             <a:endParaRPr lang="en-US"/>
           </a:p>
@@ -1431,7 +1431,7 @@
           <a:p>
             <a:fld id="{36562AA3-2A7C-49D9-8157-A7511C74B8F7}" type="datetimeFigureOut">
               <a:rPr lang="en-US" smtClean="0"/>
-              <a:t>10/30/2023</a:t>
+              <a:t>10/31/2023</a:t>
             </a:fld>
             <a:endParaRPr lang="en-US"/>
           </a:p>
@@ -1843,7 +1843,7 @@
           <a:p>
             <a:fld id="{36562AA3-2A7C-49D9-8157-A7511C74B8F7}" type="datetimeFigureOut">
               <a:rPr lang="en-US" smtClean="0"/>
-              <a:t>10/30/2023</a:t>
+              <a:t>10/31/2023</a:t>
             </a:fld>
             <a:endParaRPr lang="en-US"/>
           </a:p>
@@ -1984,7 +1984,7 @@
           <a:p>
             <a:fld id="{36562AA3-2A7C-49D9-8157-A7511C74B8F7}" type="datetimeFigureOut">
               <a:rPr lang="en-US" smtClean="0"/>
-              <a:t>10/30/2023</a:t>
+              <a:t>10/31/2023</a:t>
             </a:fld>
             <a:endParaRPr lang="en-US"/>
           </a:p>
@@ -2097,7 +2097,7 @@
           <a:p>
             <a:fld id="{36562AA3-2A7C-49D9-8157-A7511C74B8F7}" type="datetimeFigureOut">
               <a:rPr lang="en-US" smtClean="0"/>
-              <a:t>10/30/2023</a:t>
+              <a:t>10/31/2023</a:t>
             </a:fld>
             <a:endParaRPr lang="en-US"/>
           </a:p>
@@ -2408,7 +2408,7 @@
           <a:p>
             <a:fld id="{36562AA3-2A7C-49D9-8157-A7511C74B8F7}" type="datetimeFigureOut">
               <a:rPr lang="en-US" smtClean="0"/>
-              <a:t>10/30/2023</a:t>
+              <a:t>10/31/2023</a:t>
             </a:fld>
             <a:endParaRPr lang="en-US"/>
           </a:p>
@@ -2696,7 +2696,7 @@
           <a:p>
             <a:fld id="{36562AA3-2A7C-49D9-8157-A7511C74B8F7}" type="datetimeFigureOut">
               <a:rPr lang="en-US" smtClean="0"/>
-              <a:t>10/30/2023</a:t>
+              <a:t>10/31/2023</a:t>
             </a:fld>
             <a:endParaRPr lang="en-US"/>
           </a:p>
@@ -2937,7 +2937,7 @@
           <a:p>
             <a:fld id="{36562AA3-2A7C-49D9-8157-A7511C74B8F7}" type="datetimeFigureOut">
               <a:rPr lang="en-US" smtClean="0"/>
-              <a:t>10/30/2023</a:t>
+              <a:t>10/31/2023</a:t>
             </a:fld>
             <a:endParaRPr lang="en-US"/>
           </a:p>
@@ -4966,10 +4966,10 @@
       </p:sp>
       <p:pic>
         <p:nvPicPr>
-          <p:cNvPr id="5" name="Picture 2">
-            <a:extLst>
-              <a:ext uri="{FF2B5EF4-FFF2-40B4-BE49-F238E27FC236}">
-                <a16:creationId xmlns:a16="http://schemas.microsoft.com/office/drawing/2014/main" id="{065F82F1-DC21-B028-6D18-E8F9A017189E}"/>
+          <p:cNvPr id="1026" name="Picture 2">
+            <a:extLst>
+              <a:ext uri="{FF2B5EF4-FFF2-40B4-BE49-F238E27FC236}">
+                <a16:creationId xmlns:a16="http://schemas.microsoft.com/office/drawing/2014/main" id="{A74C5DB7-3EEE-C7EE-E8BA-939C5593F5C4}"/>
               </a:ext>
             </a:extLst>
           </p:cNvPr>
@@ -4986,13 +4986,13 @@
               </a:ext>
             </a:extLst>
           </a:blip>
-          <a:srcRect l="3178"/>
+          <a:srcRect l="3297"/>
           <a:stretch/>
         </p:blipFill>
         <p:spPr bwMode="auto">
           <a:xfrm>
-            <a:off x="2581154" y="928688"/>
-            <a:ext cx="8993530" cy="5000625"/>
+            <a:off x="2590039" y="947419"/>
+            <a:ext cx="8984645" cy="4981894"/>
           </a:xfrm>
           <a:prstGeom prst="rect">
             <a:avLst/>
@@ -5168,10 +5168,10 @@
       </p:sp>
       <p:pic>
         <p:nvPicPr>
-          <p:cNvPr id="5" name="Picture 2">
-            <a:extLst>
-              <a:ext uri="{FF2B5EF4-FFF2-40B4-BE49-F238E27FC236}">
-                <a16:creationId xmlns:a16="http://schemas.microsoft.com/office/drawing/2014/main" id="{065F82F1-DC21-B028-6D18-E8F9A017189E}"/>
+          <p:cNvPr id="1026" name="Picture 2">
+            <a:extLst>
+              <a:ext uri="{FF2B5EF4-FFF2-40B4-BE49-F238E27FC236}">
+                <a16:creationId xmlns:a16="http://schemas.microsoft.com/office/drawing/2014/main" id="{A74C5DB7-3EEE-C7EE-E8BA-939C5593F5C4}"/>
               </a:ext>
             </a:extLst>
           </p:cNvPr>
@@ -5188,13 +5188,13 @@
               </a:ext>
             </a:extLst>
           </a:blip>
-          <a:srcRect l="3178"/>
+          <a:srcRect l="3297"/>
           <a:stretch/>
         </p:blipFill>
         <p:spPr bwMode="auto">
           <a:xfrm>
-            <a:off x="2581154" y="928688"/>
-            <a:ext cx="8993530" cy="5000625"/>
+            <a:off x="2590039" y="947419"/>
+            <a:ext cx="8984645" cy="4981894"/>
           </a:xfrm>
           <a:prstGeom prst="rect">
             <a:avLst/>
@@ -5213,10 +5213,10 @@
       </p:pic>
       <p:grpSp>
         <p:nvGrpSpPr>
-          <p:cNvPr id="8" name="Group 7">
-            <a:extLst>
-              <a:ext uri="{FF2B5EF4-FFF2-40B4-BE49-F238E27FC236}">
-                <a16:creationId xmlns:a16="http://schemas.microsoft.com/office/drawing/2014/main" id="{E6D66589-61CA-38E2-3D05-9DA71F67562E}"/>
+          <p:cNvPr id="2" name="Group 1">
+            <a:extLst>
+              <a:ext uri="{FF2B5EF4-FFF2-40B4-BE49-F238E27FC236}">
+                <a16:creationId xmlns:a16="http://schemas.microsoft.com/office/drawing/2014/main" id="{031DBEC2-F5F7-369A-5AD2-019AF47D2BF8}"/>
               </a:ext>
             </a:extLst>
           </p:cNvPr>
@@ -5233,10 +5233,10 @@
         </p:grpSpPr>
         <p:sp>
           <p:nvSpPr>
-            <p:cNvPr id="9" name="Rectangle 8">
+            <p:cNvPr id="3" name="Rectangle 2">
               <a:extLst>
                 <a:ext uri="{FF2B5EF4-FFF2-40B4-BE49-F238E27FC236}">
-                  <a16:creationId xmlns:a16="http://schemas.microsoft.com/office/drawing/2014/main" id="{062B36DB-A012-0DE5-2483-991A05670A9D}"/>
+                  <a16:creationId xmlns:a16="http://schemas.microsoft.com/office/drawing/2014/main" id="{0011C2CD-6454-DD9D-F4A7-24CECEB06FCB}"/>
                 </a:ext>
               </a:extLst>
             </p:cNvPr>
@@ -5285,10 +5285,10 @@
         </p:sp>
         <p:sp>
           <p:nvSpPr>
-            <p:cNvPr id="10" name="TextBox 9">
+            <p:cNvPr id="8" name="TextBox 7">
               <a:extLst>
                 <a:ext uri="{FF2B5EF4-FFF2-40B4-BE49-F238E27FC236}">
-                  <a16:creationId xmlns:a16="http://schemas.microsoft.com/office/drawing/2014/main" id="{3373915C-4E7A-A180-A0F9-92B9CB701DDD}"/>
+                  <a16:creationId xmlns:a16="http://schemas.microsoft.com/office/drawing/2014/main" id="{F0CAF668-F687-3027-DF63-46AD282C8436}"/>
                 </a:ext>
               </a:extLst>
             </p:cNvPr>
@@ -5323,10 +5323,10 @@
         </p:sp>
         <p:sp>
           <p:nvSpPr>
-            <p:cNvPr id="11" name="TextBox 10">
+            <p:cNvPr id="9" name="TextBox 8">
               <a:extLst>
                 <a:ext uri="{FF2B5EF4-FFF2-40B4-BE49-F238E27FC236}">
-                  <a16:creationId xmlns:a16="http://schemas.microsoft.com/office/drawing/2014/main" id="{D0B3A108-D933-9DAE-CDFC-4A2290EB8F67}"/>
+                  <a16:creationId xmlns:a16="http://schemas.microsoft.com/office/drawing/2014/main" id="{6818795F-6BE1-89B3-C5FF-881A07AFBCA3}"/>
                 </a:ext>
               </a:extLst>
             </p:cNvPr>
@@ -5423,7 +5423,7 @@
     </p:spTree>
     <p:extLst>
       <p:ext uri="{BB962C8B-B14F-4D97-AF65-F5344CB8AC3E}">
-        <p14:creationId xmlns:p14="http://schemas.microsoft.com/office/powerpoint/2010/main" val="3369784127"/>
+        <p14:creationId xmlns:p14="http://schemas.microsoft.com/office/powerpoint/2010/main" val="3517531308"/>
       </p:ext>
     </p:extLst>
   </p:cSld>
@@ -5580,10 +5580,10 @@
       </p:sp>
       <p:pic>
         <p:nvPicPr>
-          <p:cNvPr id="1026" name="Picture 2">
-            <a:extLst>
-              <a:ext uri="{FF2B5EF4-FFF2-40B4-BE49-F238E27FC236}">
-                <a16:creationId xmlns:a16="http://schemas.microsoft.com/office/drawing/2014/main" id="{9416F64F-94B5-3EE1-494D-C96777410B6F}"/>
+          <p:cNvPr id="2050" name="Picture 2">
+            <a:extLst>
+              <a:ext uri="{FF2B5EF4-FFF2-40B4-BE49-F238E27FC236}">
+                <a16:creationId xmlns:a16="http://schemas.microsoft.com/office/drawing/2014/main" id="{EEA01665-E41E-8806-0680-9933A68294E9}"/>
               </a:ext>
             </a:extLst>
           </p:cNvPr>
@@ -5600,13 +5600,13 @@
               </a:ext>
             </a:extLst>
           </a:blip>
-          <a:srcRect l="3142"/>
+          <a:srcRect l="2905"/>
           <a:stretch/>
         </p:blipFill>
         <p:spPr bwMode="auto">
           <a:xfrm>
-            <a:off x="2625366" y="928688"/>
-            <a:ext cx="8944803" cy="5000625"/>
+            <a:off x="2697840" y="928688"/>
+            <a:ext cx="8876844" cy="5000625"/>
           </a:xfrm>
           <a:prstGeom prst="rect">
             <a:avLst/>
@@ -5783,10 +5783,10 @@
       </p:sp>
       <p:pic>
         <p:nvPicPr>
-          <p:cNvPr id="1026" name="Picture 2">
-            <a:extLst>
-              <a:ext uri="{FF2B5EF4-FFF2-40B4-BE49-F238E27FC236}">
-                <a16:creationId xmlns:a16="http://schemas.microsoft.com/office/drawing/2014/main" id="{9416F64F-94B5-3EE1-494D-C96777410B6F}"/>
+          <p:cNvPr id="2050" name="Picture 2">
+            <a:extLst>
+              <a:ext uri="{FF2B5EF4-FFF2-40B4-BE49-F238E27FC236}">
+                <a16:creationId xmlns:a16="http://schemas.microsoft.com/office/drawing/2014/main" id="{EEA01665-E41E-8806-0680-9933A68294E9}"/>
               </a:ext>
             </a:extLst>
           </p:cNvPr>
@@ -5803,13 +5803,13 @@
               </a:ext>
             </a:extLst>
           </a:blip>
-          <a:srcRect l="3142"/>
+          <a:srcRect l="2905"/>
           <a:stretch/>
         </p:blipFill>
         <p:spPr bwMode="auto">
           <a:xfrm>
-            <a:off x="2625366" y="928688"/>
-            <a:ext cx="8944803" cy="5000625"/>
+            <a:off x="2697840" y="928688"/>
+            <a:ext cx="8876844" cy="5000625"/>
           </a:xfrm>
           <a:prstGeom prst="rect">
             <a:avLst/>
@@ -5828,10 +5828,10 @@
       </p:pic>
       <p:grpSp>
         <p:nvGrpSpPr>
-          <p:cNvPr id="10" name="Group 9">
-            <a:extLst>
-              <a:ext uri="{FF2B5EF4-FFF2-40B4-BE49-F238E27FC236}">
-                <a16:creationId xmlns:a16="http://schemas.microsoft.com/office/drawing/2014/main" id="{FB2BDDC9-038A-BC36-E58B-068D2D3491B2}"/>
+          <p:cNvPr id="2" name="Group 1">
+            <a:extLst>
+              <a:ext uri="{FF2B5EF4-FFF2-40B4-BE49-F238E27FC236}">
+                <a16:creationId xmlns:a16="http://schemas.microsoft.com/office/drawing/2014/main" id="{6EDC7EE1-849A-3249-2AFB-875891AA42C2}"/>
               </a:ext>
             </a:extLst>
           </p:cNvPr>
@@ -5848,10 +5848,10 @@
         </p:grpSpPr>
         <p:sp>
           <p:nvSpPr>
-            <p:cNvPr id="11" name="Rectangle 10">
+            <p:cNvPr id="3" name="Rectangle 2">
               <a:extLst>
                 <a:ext uri="{FF2B5EF4-FFF2-40B4-BE49-F238E27FC236}">
-                  <a16:creationId xmlns:a16="http://schemas.microsoft.com/office/drawing/2014/main" id="{E2F96FC1-4F96-37F2-E0F6-6D950C99BF75}"/>
+                  <a16:creationId xmlns:a16="http://schemas.microsoft.com/office/drawing/2014/main" id="{A0EEA443-9BCB-336E-5637-76CC6B01D527}"/>
                 </a:ext>
               </a:extLst>
             </p:cNvPr>
@@ -5900,10 +5900,10 @@
         </p:sp>
         <p:sp>
           <p:nvSpPr>
-            <p:cNvPr id="12" name="TextBox 11">
+            <p:cNvPr id="4" name="TextBox 3">
               <a:extLst>
                 <a:ext uri="{FF2B5EF4-FFF2-40B4-BE49-F238E27FC236}">
-                  <a16:creationId xmlns:a16="http://schemas.microsoft.com/office/drawing/2014/main" id="{AABC1F43-A8C4-6A8F-AFC5-FCF56ABD9014}"/>
+                  <a16:creationId xmlns:a16="http://schemas.microsoft.com/office/drawing/2014/main" id="{24220A5B-80EE-629E-166B-F5217D299547}"/>
                 </a:ext>
               </a:extLst>
             </p:cNvPr>
@@ -5938,10 +5938,10 @@
         </p:sp>
         <p:sp>
           <p:nvSpPr>
-            <p:cNvPr id="13" name="TextBox 12">
+            <p:cNvPr id="5" name="TextBox 4">
               <a:extLst>
                 <a:ext uri="{FF2B5EF4-FFF2-40B4-BE49-F238E27FC236}">
-                  <a16:creationId xmlns:a16="http://schemas.microsoft.com/office/drawing/2014/main" id="{F420364C-699E-6D1F-F8CE-7406EF6E9A7D}"/>
+                  <a16:creationId xmlns:a16="http://schemas.microsoft.com/office/drawing/2014/main" id="{E6FE563D-404A-1C07-35B3-49FE9BE9A006}"/>
                 </a:ext>
               </a:extLst>
             </p:cNvPr>
@@ -6008,7 +6008,7 @@
     </p:spTree>
     <p:extLst>
       <p:ext uri="{BB962C8B-B14F-4D97-AF65-F5344CB8AC3E}">
-        <p14:creationId xmlns:p14="http://schemas.microsoft.com/office/powerpoint/2010/main" val="3902463113"/>
+        <p14:creationId xmlns:p14="http://schemas.microsoft.com/office/powerpoint/2010/main" val="2830785110"/>
       </p:ext>
     </p:extLst>
   </p:cSld>
@@ -6165,10 +6165,10 @@
       </p:sp>
       <p:pic>
         <p:nvPicPr>
-          <p:cNvPr id="2050" name="Picture 2">
-            <a:extLst>
-              <a:ext uri="{FF2B5EF4-FFF2-40B4-BE49-F238E27FC236}">
-                <a16:creationId xmlns:a16="http://schemas.microsoft.com/office/drawing/2014/main" id="{B0BE375B-D4DE-09C6-A397-49EEE193F722}"/>
+          <p:cNvPr id="4098" name="Picture 2">
+            <a:extLst>
+              <a:ext uri="{FF2B5EF4-FFF2-40B4-BE49-F238E27FC236}">
+                <a16:creationId xmlns:a16="http://schemas.microsoft.com/office/drawing/2014/main" id="{2A158528-CB8C-6383-9926-AE49248FB0ED}"/>
               </a:ext>
             </a:extLst>
           </p:cNvPr>
@@ -6185,13 +6185,13 @@
               </a:ext>
             </a:extLst>
           </a:blip>
-          <a:srcRect l="3202"/>
+          <a:srcRect l="2918"/>
           <a:stretch/>
         </p:blipFill>
         <p:spPr bwMode="auto">
           <a:xfrm>
-            <a:off x="2697841" y="928688"/>
-            <a:ext cx="8842118" cy="5000625"/>
+            <a:off x="2688518" y="928688"/>
+            <a:ext cx="8839867" cy="5000625"/>
           </a:xfrm>
           <a:prstGeom prst="rect">
             <a:avLst/>
@@ -6337,7 +6337,7 @@
         </p:nvSpPr>
         <p:spPr>
           <a:xfrm>
-            <a:off x="1839030" y="247488"/>
+            <a:off x="1839029" y="252644"/>
             <a:ext cx="8513939" cy="523220"/>
           </a:xfrm>
           <a:prstGeom prst="rect">
@@ -6368,10 +6368,10 @@
       </p:sp>
       <p:pic>
         <p:nvPicPr>
-          <p:cNvPr id="2050" name="Picture 2">
-            <a:extLst>
-              <a:ext uri="{FF2B5EF4-FFF2-40B4-BE49-F238E27FC236}">
-                <a16:creationId xmlns:a16="http://schemas.microsoft.com/office/drawing/2014/main" id="{B0BE375B-D4DE-09C6-A397-49EEE193F722}"/>
+          <p:cNvPr id="4098" name="Picture 2">
+            <a:extLst>
+              <a:ext uri="{FF2B5EF4-FFF2-40B4-BE49-F238E27FC236}">
+                <a16:creationId xmlns:a16="http://schemas.microsoft.com/office/drawing/2014/main" id="{2A158528-CB8C-6383-9926-AE49248FB0ED}"/>
               </a:ext>
             </a:extLst>
           </p:cNvPr>
@@ -6388,13 +6388,13 @@
               </a:ext>
             </a:extLst>
           </a:blip>
-          <a:srcRect l="3202"/>
+          <a:srcRect l="2918"/>
           <a:stretch/>
         </p:blipFill>
         <p:spPr bwMode="auto">
           <a:xfrm>
-            <a:off x="2697841" y="928688"/>
-            <a:ext cx="8842118" cy="5000625"/>
+            <a:off x="2688518" y="928688"/>
+            <a:ext cx="8839867" cy="5000625"/>
           </a:xfrm>
           <a:prstGeom prst="rect">
             <a:avLst/>
@@ -6413,10 +6413,10 @@
       </p:pic>
       <p:grpSp>
         <p:nvGrpSpPr>
-          <p:cNvPr id="7" name="Group 6">
-            <a:extLst>
-              <a:ext uri="{FF2B5EF4-FFF2-40B4-BE49-F238E27FC236}">
-                <a16:creationId xmlns:a16="http://schemas.microsoft.com/office/drawing/2014/main" id="{84576CFB-C764-C096-D89B-DD17B7A3CFF3}"/>
+          <p:cNvPr id="2" name="Group 1">
+            <a:extLst>
+              <a:ext uri="{FF2B5EF4-FFF2-40B4-BE49-F238E27FC236}">
+                <a16:creationId xmlns:a16="http://schemas.microsoft.com/office/drawing/2014/main" id="{BAB274C1-5DF7-FA81-F901-144C19513A69}"/>
               </a:ext>
             </a:extLst>
           </p:cNvPr>
@@ -6433,10 +6433,10 @@
         </p:grpSpPr>
         <p:sp>
           <p:nvSpPr>
-            <p:cNvPr id="8" name="Rectangle 7">
+            <p:cNvPr id="3" name="Rectangle 2">
               <a:extLst>
                 <a:ext uri="{FF2B5EF4-FFF2-40B4-BE49-F238E27FC236}">
-                  <a16:creationId xmlns:a16="http://schemas.microsoft.com/office/drawing/2014/main" id="{A7C537BF-F9FF-28AA-CC1C-E6489798AA45}"/>
+                  <a16:creationId xmlns:a16="http://schemas.microsoft.com/office/drawing/2014/main" id="{DEC795EF-5791-43A3-6EDE-DBDBA455E808}"/>
                 </a:ext>
               </a:extLst>
             </p:cNvPr>
@@ -6485,10 +6485,10 @@
         </p:sp>
         <p:sp>
           <p:nvSpPr>
-            <p:cNvPr id="9" name="TextBox 8">
+            <p:cNvPr id="7" name="TextBox 6">
               <a:extLst>
                 <a:ext uri="{FF2B5EF4-FFF2-40B4-BE49-F238E27FC236}">
-                  <a16:creationId xmlns:a16="http://schemas.microsoft.com/office/drawing/2014/main" id="{F73F0D3A-D0CD-3437-D095-DFC775CA63F2}"/>
+                  <a16:creationId xmlns:a16="http://schemas.microsoft.com/office/drawing/2014/main" id="{2B93F0DF-0970-585D-CDB3-C13554E6FCD4}"/>
                 </a:ext>
               </a:extLst>
             </p:cNvPr>
@@ -6523,10 +6523,10 @@
         </p:sp>
         <p:sp>
           <p:nvSpPr>
-            <p:cNvPr id="10" name="TextBox 9">
+            <p:cNvPr id="8" name="TextBox 7">
               <a:extLst>
                 <a:ext uri="{FF2B5EF4-FFF2-40B4-BE49-F238E27FC236}">
-                  <a16:creationId xmlns:a16="http://schemas.microsoft.com/office/drawing/2014/main" id="{D2647661-329D-C01C-0E63-BBD787AE955C}"/>
+                  <a16:creationId xmlns:a16="http://schemas.microsoft.com/office/drawing/2014/main" id="{A5D2500C-B6AD-647A-191C-CD3CBD0251EE}"/>
                 </a:ext>
               </a:extLst>
             </p:cNvPr>
@@ -6608,7 +6608,7 @@
     </p:spTree>
     <p:extLst>
       <p:ext uri="{BB962C8B-B14F-4D97-AF65-F5344CB8AC3E}">
-        <p14:creationId xmlns:p14="http://schemas.microsoft.com/office/powerpoint/2010/main" val="2651616030"/>
+        <p14:creationId xmlns:p14="http://schemas.microsoft.com/office/powerpoint/2010/main" val="2094761809"/>
       </p:ext>
     </p:extLst>
   </p:cSld>
@@ -6765,10 +6765,10 @@
       </p:sp>
       <p:pic>
         <p:nvPicPr>
-          <p:cNvPr id="4098" name="Picture 2">
-            <a:extLst>
-              <a:ext uri="{FF2B5EF4-FFF2-40B4-BE49-F238E27FC236}">
-                <a16:creationId xmlns:a16="http://schemas.microsoft.com/office/drawing/2014/main" id="{44E3FE87-1642-54C2-5976-BDE331925EC9}"/>
+          <p:cNvPr id="6146" name="Picture 2">
+            <a:extLst>
+              <a:ext uri="{FF2B5EF4-FFF2-40B4-BE49-F238E27FC236}">
+                <a16:creationId xmlns:a16="http://schemas.microsoft.com/office/drawing/2014/main" id="{CDA30627-98EF-FDE8-007B-045DDFA86E24}"/>
               </a:ext>
             </a:extLst>
           </p:cNvPr>
@@ -6785,13 +6785,13 @@
               </a:ext>
             </a:extLst>
           </a:blip>
-          <a:srcRect l="2465"/>
+          <a:srcRect l="2462"/>
           <a:stretch/>
         </p:blipFill>
         <p:spPr bwMode="auto">
           <a:xfrm>
-            <a:off x="2592730" y="928688"/>
-            <a:ext cx="8958804" cy="5000625"/>
+            <a:off x="2590039" y="928688"/>
+            <a:ext cx="8973069" cy="5000625"/>
           </a:xfrm>
           <a:prstGeom prst="rect">
             <a:avLst/>
@@ -7254,10 +7254,10 @@
       </p:sp>
       <p:pic>
         <p:nvPicPr>
-          <p:cNvPr id="4098" name="Picture 2">
-            <a:extLst>
-              <a:ext uri="{FF2B5EF4-FFF2-40B4-BE49-F238E27FC236}">
-                <a16:creationId xmlns:a16="http://schemas.microsoft.com/office/drawing/2014/main" id="{44E3FE87-1642-54C2-5976-BDE331925EC9}"/>
+          <p:cNvPr id="6146" name="Picture 2">
+            <a:extLst>
+              <a:ext uri="{FF2B5EF4-FFF2-40B4-BE49-F238E27FC236}">
+                <a16:creationId xmlns:a16="http://schemas.microsoft.com/office/drawing/2014/main" id="{CDA30627-98EF-FDE8-007B-045DDFA86E24}"/>
               </a:ext>
             </a:extLst>
           </p:cNvPr>
@@ -7274,13 +7274,13 @@
               </a:ext>
             </a:extLst>
           </a:blip>
-          <a:srcRect l="2465"/>
+          <a:srcRect l="2462"/>
           <a:stretch/>
         </p:blipFill>
         <p:spPr bwMode="auto">
           <a:xfrm>
-            <a:off x="2590040" y="928688"/>
-            <a:ext cx="8961494" cy="5000625"/>
+            <a:off x="2590039" y="928688"/>
+            <a:ext cx="8973069" cy="5000625"/>
           </a:xfrm>
           <a:prstGeom prst="rect">
             <a:avLst/>
@@ -7299,10 +7299,10 @@
       </p:pic>
       <p:grpSp>
         <p:nvGrpSpPr>
-          <p:cNvPr id="8" name="Group 7">
-            <a:extLst>
-              <a:ext uri="{FF2B5EF4-FFF2-40B4-BE49-F238E27FC236}">
-                <a16:creationId xmlns:a16="http://schemas.microsoft.com/office/drawing/2014/main" id="{E42D08DA-D8AA-B71C-20B2-75414D648CAA}"/>
+          <p:cNvPr id="2" name="Group 1">
+            <a:extLst>
+              <a:ext uri="{FF2B5EF4-FFF2-40B4-BE49-F238E27FC236}">
+                <a16:creationId xmlns:a16="http://schemas.microsoft.com/office/drawing/2014/main" id="{8A614A49-AC16-4B24-9B23-E06AE1C763A6}"/>
               </a:ext>
             </a:extLst>
           </p:cNvPr>
@@ -7319,10 +7319,10 @@
         </p:grpSpPr>
         <p:sp>
           <p:nvSpPr>
-            <p:cNvPr id="11" name="Rectangle 10">
+            <p:cNvPr id="3" name="Rectangle 2">
               <a:extLst>
                 <a:ext uri="{FF2B5EF4-FFF2-40B4-BE49-F238E27FC236}">
-                  <a16:creationId xmlns:a16="http://schemas.microsoft.com/office/drawing/2014/main" id="{622A968D-CD7A-ED74-7C1C-7B91DBCABF35}"/>
+                  <a16:creationId xmlns:a16="http://schemas.microsoft.com/office/drawing/2014/main" id="{5B0903E8-FF8E-C50F-830A-7D4913571B8C}"/>
                 </a:ext>
               </a:extLst>
             </p:cNvPr>
@@ -7371,10 +7371,10 @@
         </p:sp>
         <p:sp>
           <p:nvSpPr>
-            <p:cNvPr id="12" name="TextBox 11">
+            <p:cNvPr id="4" name="TextBox 3">
               <a:extLst>
                 <a:ext uri="{FF2B5EF4-FFF2-40B4-BE49-F238E27FC236}">
-                  <a16:creationId xmlns:a16="http://schemas.microsoft.com/office/drawing/2014/main" id="{FD1AD678-3CFA-A1E3-68CF-420AE95B1241}"/>
+                  <a16:creationId xmlns:a16="http://schemas.microsoft.com/office/drawing/2014/main" id="{43E4CD20-74F0-396E-10E5-9644FC31C3CE}"/>
                 </a:ext>
               </a:extLst>
             </p:cNvPr>
@@ -7409,10 +7409,10 @@
         </p:sp>
         <p:sp>
           <p:nvSpPr>
-            <p:cNvPr id="13" name="TextBox 12">
+            <p:cNvPr id="5" name="TextBox 4">
               <a:extLst>
                 <a:ext uri="{FF2B5EF4-FFF2-40B4-BE49-F238E27FC236}">
-                  <a16:creationId xmlns:a16="http://schemas.microsoft.com/office/drawing/2014/main" id="{37E14C9C-10ED-0EFC-70B3-F6B1ECA4BF0A}"/>
+                  <a16:creationId xmlns:a16="http://schemas.microsoft.com/office/drawing/2014/main" id="{C2288A7A-0EB6-900F-F29D-1B3C1670B222}"/>
                 </a:ext>
               </a:extLst>
             </p:cNvPr>
@@ -7509,7 +7509,7 @@
     </p:spTree>
     <p:extLst>
       <p:ext uri="{BB962C8B-B14F-4D97-AF65-F5344CB8AC3E}">
-        <p14:creationId xmlns:p14="http://schemas.microsoft.com/office/powerpoint/2010/main" val="3387759889"/>
+        <p14:creationId xmlns:p14="http://schemas.microsoft.com/office/powerpoint/2010/main" val="2100061174"/>
       </p:ext>
     </p:extLst>
   </p:cSld>
@@ -15332,8 +15332,8 @@
           <a:chExt cx="0" cy="0"/>
         </a:xfrm>
       </p:grpSpPr>
-      <mc:AlternateContent xmlns:mc="http://schemas.openxmlformats.org/markup-compatibility/2006">
-        <mc:Choice xmlns:we="http://schemas.microsoft.com/office/webextensions/webextension/2010/11" xmlns:pca="http://schemas.microsoft.com/office/powerpoint/2013/contentapp" Requires="we pca">
+      <mc:AlternateContent xmlns:mc="http://schemas.openxmlformats.org/markup-compatibility/2006" xmlns:we="http://schemas.microsoft.com/office/webextensions/webextension/2010/11" xmlns:pca="http://schemas.microsoft.com/office/powerpoint/2013/contentapp">
+        <mc:Choice Requires="we pca">
           <p:graphicFrame>
             <p:nvGraphicFramePr>
               <p:cNvPr id="5" name="Add-in 4" title="Microsoft Power BI">
@@ -15365,7 +15365,7 @@
             </a:graphic>
           </p:graphicFrame>
         </mc:Choice>
-        <mc:Fallback>
+        <mc:Fallback xmlns="">
           <p:pic>
             <p:nvPicPr>
               <p:cNvPr id="5" name="Add-in 4" title="Microsoft Power BI">

--- a/assets/capstone.pptx
+++ b/assets/capstone.pptx
@@ -8,7 +8,7 @@
     <p:sldId id="292" r:id="rId2"/>
     <p:sldId id="323" r:id="rId3"/>
     <p:sldId id="324" r:id="rId4"/>
-    <p:sldId id="349" r:id="rId5"/>
+    <p:sldId id="368" r:id="rId5"/>
     <p:sldId id="346" r:id="rId6"/>
     <p:sldId id="333" r:id="rId7"/>
     <p:sldId id="336" r:id="rId8"/>
@@ -287,7 +287,7 @@
           <a:p>
             <a:fld id="{36562AA3-2A7C-49D9-8157-A7511C74B8F7}" type="datetimeFigureOut">
               <a:rPr lang="en-US" smtClean="0"/>
-              <a:t>10/31/2023</a:t>
+              <a:t>11/2/2023</a:t>
             </a:fld>
             <a:endParaRPr lang="en-US"/>
           </a:p>
@@ -485,7 +485,7 @@
           <a:p>
             <a:fld id="{36562AA3-2A7C-49D9-8157-A7511C74B8F7}" type="datetimeFigureOut">
               <a:rPr lang="en-US" smtClean="0"/>
-              <a:t>10/31/2023</a:t>
+              <a:t>11/2/2023</a:t>
             </a:fld>
             <a:endParaRPr lang="en-US"/>
           </a:p>
@@ -693,7 +693,7 @@
           <a:p>
             <a:fld id="{36562AA3-2A7C-49D9-8157-A7511C74B8F7}" type="datetimeFigureOut">
               <a:rPr lang="en-US" smtClean="0"/>
-              <a:t>10/31/2023</a:t>
+              <a:t>11/2/2023</a:t>
             </a:fld>
             <a:endParaRPr lang="en-US"/>
           </a:p>
@@ -891,7 +891,7 @@
           <a:p>
             <a:fld id="{36562AA3-2A7C-49D9-8157-A7511C74B8F7}" type="datetimeFigureOut">
               <a:rPr lang="en-US" smtClean="0"/>
-              <a:t>10/31/2023</a:t>
+              <a:t>11/2/2023</a:t>
             </a:fld>
             <a:endParaRPr lang="en-US"/>
           </a:p>
@@ -1166,7 +1166,7 @@
           <a:p>
             <a:fld id="{36562AA3-2A7C-49D9-8157-A7511C74B8F7}" type="datetimeFigureOut">
               <a:rPr lang="en-US" smtClean="0"/>
-              <a:t>10/31/2023</a:t>
+              <a:t>11/2/2023</a:t>
             </a:fld>
             <a:endParaRPr lang="en-US"/>
           </a:p>
@@ -1431,7 +1431,7 @@
           <a:p>
             <a:fld id="{36562AA3-2A7C-49D9-8157-A7511C74B8F7}" type="datetimeFigureOut">
               <a:rPr lang="en-US" smtClean="0"/>
-              <a:t>10/31/2023</a:t>
+              <a:t>11/2/2023</a:t>
             </a:fld>
             <a:endParaRPr lang="en-US"/>
           </a:p>
@@ -1843,7 +1843,7 @@
           <a:p>
             <a:fld id="{36562AA3-2A7C-49D9-8157-A7511C74B8F7}" type="datetimeFigureOut">
               <a:rPr lang="en-US" smtClean="0"/>
-              <a:t>10/31/2023</a:t>
+              <a:t>11/2/2023</a:t>
             </a:fld>
             <a:endParaRPr lang="en-US"/>
           </a:p>
@@ -1984,7 +1984,7 @@
           <a:p>
             <a:fld id="{36562AA3-2A7C-49D9-8157-A7511C74B8F7}" type="datetimeFigureOut">
               <a:rPr lang="en-US" smtClean="0"/>
-              <a:t>10/31/2023</a:t>
+              <a:t>11/2/2023</a:t>
             </a:fld>
             <a:endParaRPr lang="en-US"/>
           </a:p>
@@ -2097,7 +2097,7 @@
           <a:p>
             <a:fld id="{36562AA3-2A7C-49D9-8157-A7511C74B8F7}" type="datetimeFigureOut">
               <a:rPr lang="en-US" smtClean="0"/>
-              <a:t>10/31/2023</a:t>
+              <a:t>11/2/2023</a:t>
             </a:fld>
             <a:endParaRPr lang="en-US"/>
           </a:p>
@@ -2408,7 +2408,7 @@
           <a:p>
             <a:fld id="{36562AA3-2A7C-49D9-8157-A7511C74B8F7}" type="datetimeFigureOut">
               <a:rPr lang="en-US" smtClean="0"/>
-              <a:t>10/31/2023</a:t>
+              <a:t>11/2/2023</a:t>
             </a:fld>
             <a:endParaRPr lang="en-US"/>
           </a:p>
@@ -2696,7 +2696,7 @@
           <a:p>
             <a:fld id="{36562AA3-2A7C-49D9-8157-A7511C74B8F7}" type="datetimeFigureOut">
               <a:rPr lang="en-US" smtClean="0"/>
-              <a:t>10/31/2023</a:t>
+              <a:t>11/2/2023</a:t>
             </a:fld>
             <a:endParaRPr lang="en-US"/>
           </a:p>
@@ -2937,7 +2937,7 @@
           <a:p>
             <a:fld id="{36562AA3-2A7C-49D9-8157-A7511C74B8F7}" type="datetimeFigureOut">
               <a:rPr lang="en-US" smtClean="0"/>
-              <a:t>10/31/2023</a:t>
+              <a:t>11/2/2023</a:t>
             </a:fld>
             <a:endParaRPr lang="en-US"/>
           </a:p>
@@ -15332,14 +15332,14 @@
           <a:chExt cx="0" cy="0"/>
         </a:xfrm>
       </p:grpSpPr>
-      <mc:AlternateContent xmlns:mc="http://schemas.openxmlformats.org/markup-compatibility/2006" xmlns:we="http://schemas.microsoft.com/office/webextensions/webextension/2010/11" xmlns:pca="http://schemas.microsoft.com/office/powerpoint/2013/contentapp">
-        <mc:Choice Requires="we pca">
+      <mc:AlternateContent xmlns:mc="http://schemas.openxmlformats.org/markup-compatibility/2006">
+        <mc:Choice xmlns:we="http://schemas.microsoft.com/office/webextensions/webextension/2010/11" xmlns:pca="http://schemas.microsoft.com/office/powerpoint/2013/contentapp" Requires="we pca">
           <p:graphicFrame>
             <p:nvGraphicFramePr>
-              <p:cNvPr id="5" name="Add-in 4" title="Microsoft Power BI">
+              <p:cNvPr id="4" name="Add-in 3" title="Microsoft Power BI">
                 <a:extLst>
                   <a:ext uri="{FF2B5EF4-FFF2-40B4-BE49-F238E27FC236}">
-                    <a16:creationId xmlns:a16="http://schemas.microsoft.com/office/drawing/2014/main" id="{B9D85073-4F12-49E4-2012-E874EA4D2180}"/>
+                    <a16:creationId xmlns:a16="http://schemas.microsoft.com/office/drawing/2014/main" id="{7421E7C3-5D80-A202-9EC6-BD709FE7324E}"/>
                   </a:ext>
                 </a:extLst>
               </p:cNvPr>
@@ -15349,13 +15349,13 @@
               <p:nvPr>
                 <p:extLst>
                   <p:ext uri="{D42A27DB-BD31-4B8C-83A1-F6EECF244321}">
-                    <p14:modId xmlns:p14="http://schemas.microsoft.com/office/powerpoint/2010/main" val="533577484"/>
+                    <p14:modId xmlns:p14="http://schemas.microsoft.com/office/powerpoint/2010/main" val="2331730466"/>
                   </p:ext>
                 </p:extLst>
               </p:nvPr>
             </p:nvGraphicFramePr>
             <p:xfrm>
-              <a:off x="0" y="11575"/>
+              <a:off x="0" y="0"/>
               <a:ext cx="12192000" cy="6858000"/>
             </p:xfrm>
             <a:graphic>
@@ -15365,13 +15365,13 @@
             </a:graphic>
           </p:graphicFrame>
         </mc:Choice>
-        <mc:Fallback xmlns="">
+        <mc:Fallback>
           <p:pic>
             <p:nvPicPr>
-              <p:cNvPr id="5" name="Add-in 4" title="Microsoft Power BI">
+              <p:cNvPr id="4" name="Add-in 3" title="Microsoft Power BI">
                 <a:extLst>
                   <a:ext uri="{FF2B5EF4-FFF2-40B4-BE49-F238E27FC236}">
-                    <a16:creationId xmlns:a16="http://schemas.microsoft.com/office/drawing/2014/main" id="{B9D85073-4F12-49E4-2012-E874EA4D2180}"/>
+                    <a16:creationId xmlns:a16="http://schemas.microsoft.com/office/drawing/2014/main" id="{7421E7C3-5D80-A202-9EC6-BD709FE7324E}"/>
                   </a:ext>
                 </a:extLst>
               </p:cNvPr>
@@ -15388,7 +15388,7 @@
             </p:blipFill>
             <p:spPr>
               <a:xfrm>
-                <a:off x="0" y="11575"/>
+                <a:off x="0" y="0"/>
                 <a:ext cx="12192000" cy="6858000"/>
               </a:xfrm>
               <a:prstGeom prst="rect">
@@ -15401,7 +15401,7 @@
     </p:spTree>
     <p:extLst>
       <p:ext uri="{BB962C8B-B14F-4D97-AF65-F5344CB8AC3E}">
-        <p14:creationId xmlns:p14="http://schemas.microsoft.com/office/powerpoint/2010/main" val="877888768"/>
+        <p14:creationId xmlns:p14="http://schemas.microsoft.com/office/powerpoint/2010/main" val="552780713"/>
       </p:ext>
     </p:extLst>
   </p:cSld>
@@ -17073,13 +17073,13 @@
 </file>
 
 <file path=ppt/webextensions/webextension1.xml><?xml version="1.0" encoding="utf-8"?>
-<we:webextension xmlns:we="http://schemas.microsoft.com/office/webextensions/webextension/2010/11" id="{9ABBBCD2-8481-4A3A-BC62-D3E0252935EA}">
+<we:webextension xmlns:we="http://schemas.microsoft.com/office/webextensions/webextension/2010/11" id="{B3ECB0B8-000F-4E58-980C-43D7C4FFE15F}">
   <we:reference id="wa200003233" version="2.0.0.3" store="en-US" storeType="OMEX"/>
   <we:alternateReferences>
     <we:reference id="WA200003233" version="2.0.0.3" store="WA200003233" storeType="OMEX"/>
   </we:alternateReferences>
   <we:properties>
-    <we:property name="pptInsertionSessionID" value="&quot;A5C2E513-45FB-43AA-B23C-0E469646FD6D&quot;"/>
+    <we:property name="pptInsertionSessionID" value="&quot;7D128A08-2767-416B-B01F-84D21FB4D5A6&quot;"/>
     <we:property name="reportUrl" value="&quot;/groups/me/reports/dfa6c57d-8149-4d6e-a6b4-24f0d45fdbfb/ReportSection5cb3244f5cd904d56030?experience=power-bi&quot;"/>
     <we:property name="reportName" value="&quot;city-progression&quot;"/>
     <we:property name="reportState" value="&quot;CONNECTED&quot;"/>
@@ -17088,13 +17088,13 @@
     <we:property name="pageDisplayName" value="&quot;Page 7&quot;"/>
     <we:property name="datasetId" value="&quot;fef7b634-85fc-4ea1-a4a1-40f3a6241cb0&quot;"/>
     <we:property name="backgroundColor" value="&quot;#FFFFFF&quot;"/>
-    <we:property name="bookmark" value="&quot;H4sIAAAAAAAAA8VUUW/aMBD+K5Vf+hJNAUIgvA3USpW6CZWJqZp4uNgX6taJI9uwMpT/vrMT2tHRrQ+d9hDJ/u58933fOd4zIW2tYPcZSmQTNtX6oQTzcNZjEauOMT7gkHJMB1mecwFiOE4EZenaSV1ZNtkzB2aNbintBpQvSOC3VcRAqTms/a4AZTFiNRqrK1DyB7bJFHJmg03E8LFW2oAvuXDg0JfdUjrtiUrvw4A6AndyiwvkrkVvsNbGdfshzwf9JCmGXGRxIoZpPIjpjG2jgebf833TQGymKweyIgIeQyjSfJTHAqDXA+AZ9MceL6RyXUq+u3isDeneH+y7DMFxPyuSHk/6GYIYDcZpmnpablf7nI9iCxVHbycZYNC2evdsptWmDKuLI3yhN4bjDRYhVDnpdlRmPr06+0R0WUNOzo0mnwN+i2ACdqe/zwySrYJNek20P/SfEbTWRnJQ/4jCzIdfUoibFSFWVmvVXYRn57+0zEqo/R3L72la3uDmMH6qff/LTDsFu+D8u1JeNR5PoBgWiUiEEHEyikdZwdPXR/8fx/oGT62SHM2RraxE+nX9Yo102/0hklG3vSTaZ6nHq+Xh1+xH7NLoMhzr3hI/uN81RKxlQTwj9vUODXYjq4R0nQ1XL6yxb59quwndT7tFXZegNuFtoqLX0rVy9y3sH5ksjq99pp+8//wZAQ5OeFJqEVzDMPmT5c6nYCU/Z03TlnvlAj+ReufbEQT40Klh642zNXCcQ4Un1JEqqIS/VX9UGF71J31N8xOcLLawVQYAAA==&quot;"/>
-    <we:property name="initialStateBookmark" value="&quot;H4sIAAAAAAAAA8VU30/bMBD+V5BfeImmtE1/hDeoioSgULVTp2mqpqt9KQYnjmy3o6vyv+/spDBYGTww7SGS/d357rvvLrdjQtpSwfYacmQn7Ezr+xzM/VGLRaxosJuby/Hp9PL79el4RLAundSFZSc75sCs0M2lXYPyEQj8togYKDWBlb9loCxGrERjdQFK/sTamUzOrLGKGD6UShvwIWcOHPqwG3KnO+VufepQRuBObnCG3NXoFEttXHPv8mWnnSRZl4s0TkS3F3diemNra6D5tr9PGogNdeFAFkTAYwhZb9lfxgKg1QLgKbQHHs+kco3Lcjt6KA3VvdvrdR6Mg3aaJS2etFME0e8Mer2ep+W2pfc5FRsoOAoWBDBo63p3bKjVOg+n0TN8pteG4xSzYCqcdFsKMzm7OBoTXVaRkhOjSeeAf0UwAbvVP4YGSVbBTlpVtNvnHxK00kZyUP+IwtCbX1KIqwUhVhYr1QzCk/Kfa2Y5lH7GlnfULS9wtW8/xb77radNBdug/IdSXlQeTyDrZolIhBBx0o/7acZ7r7f+P7b1HZpaJTmaZ7KyHOnX9YcV0rT7R1RGWeeSaJ9KfX6a73/NdsTOjc7Ds2Z5+Mb9WUPEahbEM2JfbtFg07JCSNfIcPFCGvv+rtaXkP2wWpR1DmoddhMFvZKuLndXw37JpOngynv6zvvPvxHg4IAmuRZBNQydPxju+Ays5MesqupwrwzwI6kPno5QgDcdarZeO1sCxwkUeKA6qgoK4afqrxWGrc5CEpozuVRvSeJ3/aMeVfULsF8uMHYGAAA=&quot;"/>
+    <we:property name="bookmark" value="&quot;H4sIAAAAAAAAA91WbU/bMBD+K5Y1iU3qpjRNW8o32jENjW0VIKZp4sM1vqQGN45sB+iq/PednQArKi8fYNr2IZJ9L77nuTvdZcWFtKWC5RdYIN/hY63PF2DOWZd3eLEu66dZkkTdYRIlg/52GkWiG5OVLp3UheU7K+7A5OhOpK1A+QdJ+IMnkPWzRCRCiCgZRsNRlg74aYeDUlPIvU0GymKHl2isLkDJn9g8QSpnKqw7HK9KpQ34QEcOHPpgF2ROdwLYfdcjHJA6eYFHmLpGeoilNq6999NZL06SrJ+KUZSI/iDqReRjG20A/7i9DxqATXThQBYEwMsQssFsOIsEQLcLkI4g3vbyTCrXmsyWe1eloWxQjpalT+qEWOTayBQUD/wM2obOik+0qhbhtLcmP9KVSfEQs6AqnHRLemk63mefCQ17Hb/hNSVrajSlMugm3sTL5vpyYpBiCr4T1Z0/DIP8ofDu7Bhh8SCgXXEBRUrSu2h289xgDq697r0Q1KkuKxWisDiKe0H9oSrapur91dCRHArHdMY+6sriXCthyfpcFjkDxw4QrGOvBtEnJv9pdp9BIaNCsTG6S8SC9aK3/YR9RzCWfVXiP6BnfcFUKFjcZ8vAjMrJLqWb36qAjSGdI43GLcveIwHFp3M/JYml1lDttL0db8dNShZQ+vE+O6OR6KdYfT1jCfbZb4OznSHLMN6efXad1l6+cYk8NmPvrenzgfQ9t2GePZpbq2SKZi29fIG0Pf0hR1ot3omolE0sifaW7vrp5HoPxlRwoxfBrV3nvoCbeXR4g4Swdvi3ORpsy1cIed3r+3dSZJ9e4eYSEGzOGEU9AVWFXwR69EC6hvKqEfutPhpEB97Sd4D/vI8ABxvystAiZA5DB2x8bmsMVqZbvK6b5+5p5htQL9AlgYRXbSq6rpwtIcUpFLiBIfoVKnx3Pcgy/ErdcKzrX0D9KYfgCQAA&quot;"/>
+    <we:property name="initialStateBookmark" value="&quot;H4sIAAAAAAAAA91WbU/bMBD+K5Y1iU3qpjR9YfCt7Tpt4q0CxDRNaLrGl9TgxJHtAF3V/76zk46BCuUDTNs+RLLv9XnuTucsuJC2VDA/hBz5Lh9qfZmDuWRt3uJFIzs62jsYHO99PxwcjEmsSyd1YfnugjswGbozaStQPgIJv523OCg1gczfUlAWW7xEY3UBSv7A2phUzlS4bHG8KZU24EOeOHDow16ROd0pd/tdhzJC4uQVnmDiaukxltq45t5Lpp242017idiJuqLXjzoR+dhaG2ButvdJA7CRLhzIggB4GULan25PIwHQbgMkOxC/9/JUKteYTOfjm9IQb6rGvPT1GhGLTBuZgOKBn0Fb01nwkVZVHk7jO/ITXZkEjzENqsJJN6dIk+FndkBo2Ov4DV9SsSZGUymDbuRNvGymr0cGKafgu9Gy9YdhkD8U3p2dIuSPAhqIKygSkt5HM8gygxm45jp+IagTXVYqZGFxFHeC+mNVNEPV+auhIzkUjumUfdKVxZlWwpL1pSwyBo7tI1jHXvWjPSb/aXYHoJBRo9gQ3TViwTrR216XfUUwlh0p8R/Qs75hKjQs7rF5YEbtZNfSzW5VwIaQzJBW45ZlH5CA4tO5n5PE0mioZtverrfTuiQ5lH6RTy9oJfottlztWIJ98dvibHbIPKy3Z99d50sv70LaS7uiK4SIutvR9k6a9Dfu2Ad7+nwg/cyt2Wcba2uVTNDcKS/Pkd5Jf8iQnhbvRFTKOpdEe0v37uls9Q7G1HCj8+DWvNS+get5tHiNhLC2+JcZGmzaVwi5mvXP90pkn97h+hIQrK8YZT0DVYWfAQq6L11NeVGLyTCOot6+t/QT4D/vI8DBmrrkWoTKYZiAteG2hmBlssWXyzrcA8P8C9QLTEkg4VXrmq4rZ0tIcAIFrmGI/gkVfroeZen/l3jIQeMmp2pTVVb2Dbif2BPcAOoJAAA=&quot;"/>
     <we:property name="isFiltersActionButtonVisible" value="true"/>
-    <we:property name="reportEmbeddedTime" value="&quot;2023-10-31T19:01:44.957Z&quot;"/>
+    <we:property name="reportEmbeddedTime" value="&quot;2023-11-02T14:48:09.670Z&quot;"/>
     <we:property name="creatorTenantId" value="&quot;101da587-1843-4f52-8b8a-17b069c66d33&quot;"/>
     <we:property name="creatorUserId" value="&quot;100320029EA66CB8&quot;"/>
-    <we:property name="creatorSessionId" value="&quot;1a368b7d-790d-400c-859b-27baf408526e&quot;"/>
+    <we:property name="creatorSessionId" value="&quot;b15442cd-12cc-4368-bf3d-15b450664650&quot;"/>
   </we:properties>
   <we:bindings/>
   <we:snapshot xmlns:r="http://schemas.openxmlformats.org/officeDocument/2006/relationships" r:embed="rId1"/>
